--- a/LessonPlans/Kindergarten/Presentations/Kindergarten_Building_Programming_EV3.pptx
+++ b/LessonPlans/Kindergarten/Presentations/Kindergarten_Building_Programming_EV3.pptx
@@ -9,8 +9,6 @@
     <p:sldId id="257" r:id="rId8"/>
     <p:sldId id="258" r:id="rId9"/>
     <p:sldId id="259" r:id="rId10"/>
-    <p:sldId id="260" r:id="rId11"/>
-    <p:sldId id="261" r:id="rId12"/>
   </p:sldIdLst>
   <p:sldSz cx="9144000" cy="6858000" type="screen4x3"/>
   <p:notesSz cx="6858000" cy="9144000"/>
@@ -3109,7 +3107,7 @@
           <a:lstStyle/>
           <a:p>
             <a:r>
-              <a:t>Title Slide</a:t>
+              <a:t>Kindergarten Lesson Plan</a:t>
             </a:r>
           </a:p>
         </p:txBody>
@@ -3130,7 +3128,7 @@
           <a:lstStyle/>
           <a:p>
             <a:r>
-              <a:t>Integrating Robotics and Catholic Values</a:t>
+              <a:t>Building and Programming with EV3</a:t>
             </a:r>
           </a:p>
         </p:txBody>
@@ -3169,7 +3167,7 @@
           <a:lstStyle/>
           <a:p>
             <a:r>
-              <a:t>Overview</a:t>
+              <a:t>Opening Prayer</a:t>
             </a:r>
           </a:p>
         </p:txBody>
@@ -3190,7 +3188,7 @@
           <a:lstStyle/>
           <a:p>
             <a:r>
-              <a:t>Overview of Robotics Lesson</a:t>
+              <a:t>Dear God, thank you for the gift of curiosity. Help us use our minds and hands to learn and create, always remembering to care for the world and each other. Amen.</a:t>
             </a:r>
           </a:p>
         </p:txBody>
@@ -3229,7 +3227,7 @@
           <a:lstStyle/>
           <a:p>
             <a:r>
-              <a:t>Objective</a:t>
+              <a:t>Lesson Activity</a:t>
             </a:r>
           </a:p>
         </p:txBody>
@@ -3250,7 +3248,7 @@
           <a:lstStyle/>
           <a:p>
             <a:r>
-              <a:t>Lesson Objectives</a:t>
+              <a:t>Students will explore how to build simple structures with LEGO EV3 and learn basic programming concepts using block coding.</a:t>
             </a:r>
           </a:p>
         </p:txBody>
@@ -3289,7 +3287,7 @@
           <a:lstStyle/>
           <a:p>
             <a:r>
-              <a:t>Activity</a:t>
+              <a:t>Catholic Integration</a:t>
             </a:r>
           </a:p>
         </p:txBody>
@@ -3310,127 +3308,7 @@
           <a:lstStyle/>
           <a:p>
             <a:r>
-              <a:t>Kindergarten Activity</a:t>
-            </a:r>
-          </a:p>
-        </p:txBody>
-      </p:sp>
-    </p:spTree>
-  </p:cSld>
-  <p:clrMapOvr>
-    <a:masterClrMapping/>
-  </p:clrMapOvr>
-</p:sld>
-</file>
-
-<file path=ppt/slides/slide5.xml><?xml version="1.0" encoding="utf-8"?>
-<p:sld xmlns:a="http://schemas.openxmlformats.org/drawingml/2006/main" xmlns:p="http://schemas.openxmlformats.org/presentationml/2006/main" xmlns:r="http://schemas.openxmlformats.org/officeDocument/2006/relationships">
-  <p:cSld>
-    <p:spTree>
-      <p:nvGrpSpPr>
-        <p:cNvPr id="1" name=""/>
-        <p:cNvGrpSpPr/>
-        <p:nvPr/>
-      </p:nvGrpSpPr>
-      <p:grpSpPr/>
-      <p:sp>
-        <p:nvSpPr>
-          <p:cNvPr id="2" name="Title 1"/>
-          <p:cNvSpPr>
-            <a:spLocks noGrp="1"/>
-          </p:cNvSpPr>
-          <p:nvPr>
-            <p:ph type="title"/>
-          </p:nvPr>
-        </p:nvSpPr>
-        <p:spPr/>
-        <p:txBody>
-          <a:bodyPr/>
-          <a:lstStyle/>
-          <a:p>
-            <a:r>
-              <a:t>Catholic Integration</a:t>
-            </a:r>
-          </a:p>
-        </p:txBody>
-      </p:sp>
-      <p:sp>
-        <p:nvSpPr>
-          <p:cNvPr id="3" name="Content Placeholder 2"/>
-          <p:cNvSpPr>
-            <a:spLocks noGrp="1"/>
-          </p:cNvSpPr>
-          <p:nvPr>
-            <p:ph idx="1"/>
-          </p:nvPr>
-        </p:nvSpPr>
-        <p:spPr/>
-        <p:txBody>
-          <a:bodyPr/>
-          <a:lstStyle/>
-          <a:p>
-            <a:r>
-              <a:t>Catholic Integration</a:t>
-            </a:r>
-          </a:p>
-        </p:txBody>
-      </p:sp>
-    </p:spTree>
-  </p:cSld>
-  <p:clrMapOvr>
-    <a:masterClrMapping/>
-  </p:clrMapOvr>
-</p:sld>
-</file>
-
-<file path=ppt/slides/slide6.xml><?xml version="1.0" encoding="utf-8"?>
-<p:sld xmlns:a="http://schemas.openxmlformats.org/drawingml/2006/main" xmlns:p="http://schemas.openxmlformats.org/presentationml/2006/main" xmlns:r="http://schemas.openxmlformats.org/officeDocument/2006/relationships">
-  <p:cSld>
-    <p:spTree>
-      <p:nvGrpSpPr>
-        <p:cNvPr id="1" name=""/>
-        <p:cNvGrpSpPr/>
-        <p:nvPr/>
-      </p:nvGrpSpPr>
-      <p:grpSpPr/>
-      <p:sp>
-        <p:nvSpPr>
-          <p:cNvPr id="2" name="Title 1"/>
-          <p:cNvSpPr>
-            <a:spLocks noGrp="1"/>
-          </p:cNvSpPr>
-          <p:nvPr>
-            <p:ph type="title"/>
-          </p:nvPr>
-        </p:nvSpPr>
-        <p:spPr/>
-        <p:txBody>
-          <a:bodyPr/>
-          <a:lstStyle/>
-          <a:p>
-            <a:r>
-              <a:t>Closing Prayer</a:t>
-            </a:r>
-          </a:p>
-        </p:txBody>
-      </p:sp>
-      <p:sp>
-        <p:nvSpPr>
-          <p:cNvPr id="3" name="Content Placeholder 2"/>
-          <p:cNvSpPr>
-            <a:spLocks noGrp="1"/>
-          </p:cNvSpPr>
-          <p:nvPr>
-            <p:ph idx="1"/>
-          </p:nvPr>
-        </p:nvSpPr>
-        <p:spPr/>
-        <p:txBody>
-          <a:bodyPr/>
-          <a:lstStyle/>
-          <a:p>
-            <a:r>
-              <a:t>Closing Prayer</a:t>
+              <a:t>Discuss how engineers help solve problems in ways that reflect God's love for creation, tying into the idea of stewardship and care for the environment.</a:t>
             </a:r>
           </a:p>
         </p:txBody>
